--- a/assets/mainscreen.pptx
+++ b/assets/mainscreen.pptx
@@ -252,7 +252,7 @@
           <a:p>
             <a:fld id="{4F08E496-6DF6-463D-8B4A-159ADA022EF7}" type="datetimeFigureOut">
               <a:rPr lang="ru-RU" smtClean="0"/>
-              <a:t>29.09.2016</a:t>
+              <a:t>21.10.2016</a:t>
             </a:fld>
             <a:endParaRPr lang="ru-RU" dirty="0"/>
           </a:p>
@@ -422,7 +422,7 @@
           <a:p>
             <a:fld id="{4F08E496-6DF6-463D-8B4A-159ADA022EF7}" type="datetimeFigureOut">
               <a:rPr lang="ru-RU" smtClean="0"/>
-              <a:t>29.09.2016</a:t>
+              <a:t>21.10.2016</a:t>
             </a:fld>
             <a:endParaRPr lang="ru-RU" dirty="0"/>
           </a:p>
@@ -602,7 +602,7 @@
           <a:p>
             <a:fld id="{4F08E496-6DF6-463D-8B4A-159ADA022EF7}" type="datetimeFigureOut">
               <a:rPr lang="ru-RU" smtClean="0"/>
-              <a:t>29.09.2016</a:t>
+              <a:t>21.10.2016</a:t>
             </a:fld>
             <a:endParaRPr lang="ru-RU" dirty="0"/>
           </a:p>
@@ -772,7 +772,7 @@
           <a:p>
             <a:fld id="{4F08E496-6DF6-463D-8B4A-159ADA022EF7}" type="datetimeFigureOut">
               <a:rPr lang="ru-RU" smtClean="0"/>
-              <a:t>29.09.2016</a:t>
+              <a:t>21.10.2016</a:t>
             </a:fld>
             <a:endParaRPr lang="ru-RU" dirty="0"/>
           </a:p>
@@ -1018,7 +1018,7 @@
           <a:p>
             <a:fld id="{4F08E496-6DF6-463D-8B4A-159ADA022EF7}" type="datetimeFigureOut">
               <a:rPr lang="ru-RU" smtClean="0"/>
-              <a:t>29.09.2016</a:t>
+              <a:t>21.10.2016</a:t>
             </a:fld>
             <a:endParaRPr lang="ru-RU" dirty="0"/>
           </a:p>
@@ -1250,7 +1250,7 @@
           <a:p>
             <a:fld id="{4F08E496-6DF6-463D-8B4A-159ADA022EF7}" type="datetimeFigureOut">
               <a:rPr lang="ru-RU" smtClean="0"/>
-              <a:t>29.09.2016</a:t>
+              <a:t>21.10.2016</a:t>
             </a:fld>
             <a:endParaRPr lang="ru-RU" dirty="0"/>
           </a:p>
@@ -1617,7 +1617,7 @@
           <a:p>
             <a:fld id="{4F08E496-6DF6-463D-8B4A-159ADA022EF7}" type="datetimeFigureOut">
               <a:rPr lang="ru-RU" smtClean="0"/>
-              <a:t>29.09.2016</a:t>
+              <a:t>21.10.2016</a:t>
             </a:fld>
             <a:endParaRPr lang="ru-RU" dirty="0"/>
           </a:p>
@@ -1735,7 +1735,7 @@
           <a:p>
             <a:fld id="{4F08E496-6DF6-463D-8B4A-159ADA022EF7}" type="datetimeFigureOut">
               <a:rPr lang="ru-RU" smtClean="0"/>
-              <a:t>29.09.2016</a:t>
+              <a:t>21.10.2016</a:t>
             </a:fld>
             <a:endParaRPr lang="ru-RU" dirty="0"/>
           </a:p>
@@ -1830,7 +1830,7 @@
           <a:p>
             <a:fld id="{4F08E496-6DF6-463D-8B4A-159ADA022EF7}" type="datetimeFigureOut">
               <a:rPr lang="ru-RU" smtClean="0"/>
-              <a:t>29.09.2016</a:t>
+              <a:t>21.10.2016</a:t>
             </a:fld>
             <a:endParaRPr lang="ru-RU" dirty="0"/>
           </a:p>
@@ -2107,7 +2107,7 @@
           <a:p>
             <a:fld id="{4F08E496-6DF6-463D-8B4A-159ADA022EF7}" type="datetimeFigureOut">
               <a:rPr lang="ru-RU" smtClean="0"/>
-              <a:t>29.09.2016</a:t>
+              <a:t>21.10.2016</a:t>
             </a:fld>
             <a:endParaRPr lang="ru-RU" dirty="0"/>
           </a:p>
@@ -2364,7 +2364,7 @@
           <a:p>
             <a:fld id="{4F08E496-6DF6-463D-8B4A-159ADA022EF7}" type="datetimeFigureOut">
               <a:rPr lang="ru-RU" smtClean="0"/>
-              <a:t>29.09.2016</a:t>
+              <a:t>21.10.2016</a:t>
             </a:fld>
             <a:endParaRPr lang="ru-RU" dirty="0"/>
           </a:p>
@@ -2577,7 +2577,7 @@
           <a:p>
             <a:fld id="{4F08E496-6DF6-463D-8B4A-159ADA022EF7}" type="datetimeFigureOut">
               <a:rPr lang="ru-RU" smtClean="0"/>
-              <a:t>29.09.2016</a:t>
+              <a:t>21.10.2016</a:t>
             </a:fld>
             <a:endParaRPr lang="ru-RU" dirty="0"/>
           </a:p>
@@ -2984,14 +2984,92 @@
       </p:grpSpPr>
       <p:pic>
         <p:nvPicPr>
-          <p:cNvPr id="1026" name="Picture 2" descr="d16-new-badges"/>
+          <p:cNvPr id="2" name="Picture 2" descr="Картинки по запросу site:rosim.ru"/>
+          <p:cNvPicPr>
+            <a:picLocks noChangeAspect="1" noChangeArrowheads="1"/>
+          </p:cNvPicPr>
+          <p:nvPr/>
+        </p:nvPicPr>
+        <p:blipFill rotWithShape="1">
+          <a:blip r:embed="rId2">
+            <a:extLst>
+              <a:ext uri="{28A0092B-C50C-407E-A947-70E740481C1C}">
+                <a14:useLocalDpi xmlns:a14="http://schemas.microsoft.com/office/drawing/2010/main" val="0"/>
+              </a:ext>
+            </a:extLst>
+          </a:blip>
+          <a:srcRect b="6906"/>
+          <a:stretch/>
+        </p:blipFill>
+        <p:spPr bwMode="auto">
+          <a:xfrm>
+            <a:off x="3757007" y="2419724"/>
+            <a:ext cx="3613881" cy="2242861"/>
+          </a:xfrm>
+          <a:prstGeom prst="rect">
+            <a:avLst/>
+          </a:prstGeom>
+          <a:noFill/>
+          <a:extLst>
+            <a:ext uri="{909E8E84-426E-40DD-AFC4-6F175D3DCCD1}">
+              <a14:hiddenFill xmlns:a14="http://schemas.microsoft.com/office/drawing/2010/main">
+                <a:solidFill>
+                  <a:srgbClr val="FFFFFF"/>
+                </a:solidFill>
+              </a14:hiddenFill>
+            </a:ext>
+          </a:extLst>
+        </p:spPr>
+      </p:pic>
+      <p:pic>
+        <p:nvPicPr>
+          <p:cNvPr id="1030" name="Picture 6" descr="https://www.rosim.ru/attach/25/64498.jpg"/>
+          <p:cNvPicPr>
+            <a:picLocks noChangeAspect="1" noChangeArrowheads="1"/>
+          </p:cNvPicPr>
+          <p:nvPr/>
+        </p:nvPicPr>
+        <p:blipFill rotWithShape="1">
+          <a:blip r:embed="rId3">
+            <a:extLst>
+              <a:ext uri="{28A0092B-C50C-407E-A947-70E740481C1C}">
+                <a14:useLocalDpi xmlns:a14="http://schemas.microsoft.com/office/drawing/2010/main" val="0"/>
+              </a:ext>
+            </a:extLst>
+          </a:blip>
+          <a:srcRect r="4091" b="19955"/>
+          <a:stretch/>
+        </p:blipFill>
+        <p:spPr bwMode="auto">
+          <a:xfrm>
+            <a:off x="3757007" y="86470"/>
+            <a:ext cx="3613881" cy="2258299"/>
+          </a:xfrm>
+          <a:prstGeom prst="rect">
+            <a:avLst/>
+          </a:prstGeom>
+          <a:noFill/>
+          <a:extLst>
+            <a:ext uri="{909E8E84-426E-40DD-AFC4-6F175D3DCCD1}">
+              <a14:hiddenFill xmlns:a14="http://schemas.microsoft.com/office/drawing/2010/main">
+                <a:solidFill>
+                  <a:srgbClr val="FFFFFF"/>
+                </a:solidFill>
+              </a14:hiddenFill>
+            </a:ext>
+          </a:extLst>
+        </p:spPr>
+      </p:pic>
+      <p:pic>
+        <p:nvPicPr>
+          <p:cNvPr id="1032" name="Picture 8" descr="Картинки по запросу site:rosim.ru"/>
           <p:cNvPicPr>
             <a:picLocks noChangeAspect="1" noChangeArrowheads="1"/>
           </p:cNvPicPr>
           <p:nvPr/>
         </p:nvPicPr>
         <p:blipFill>
-          <a:blip r:embed="rId2">
+          <a:blip r:embed="rId4">
             <a:extLst>
               <a:ext uri="{28A0092B-C50C-407E-A947-70E740481C1C}">
                 <a14:useLocalDpi xmlns:a14="http://schemas.microsoft.com/office/drawing/2010/main" val="0"/>
@@ -3005,19 +3083,13 @@
         </p:blipFill>
         <p:spPr bwMode="auto">
           <a:xfrm>
-            <a:off x="171112" y="2899765"/>
-            <a:ext cx="3321390" cy="1288627"/>
+            <a:off x="251734" y="101907"/>
+            <a:ext cx="3366395" cy="2242862"/>
           </a:xfrm>
           <a:prstGeom prst="rect">
             <a:avLst/>
           </a:prstGeom>
-          <a:effectLst>
-            <a:outerShdw blurRad="50800" dist="38100" dir="2700000" algn="tl" rotWithShape="0">
-              <a:prstClr val="black">
-                <a:alpha val="40000"/>
-              </a:prstClr>
-            </a:outerShdw>
-          </a:effectLst>
+          <a:noFill/>
           <a:extLst>
             <a:ext uri="{909E8E84-426E-40DD-AFC4-6F175D3DCCD1}">
               <a14:hiddenFill xmlns:a14="http://schemas.microsoft.com/office/drawing/2010/main">
@@ -3031,160 +3103,34 @@
       </p:pic>
       <p:pic>
         <p:nvPicPr>
-          <p:cNvPr id="4" name="Рисунок 3"/>
-          <p:cNvPicPr>
-            <a:picLocks noChangeAspect="1"/>
-          </p:cNvPicPr>
-          <p:nvPr/>
-        </p:nvPicPr>
-        <p:blipFill rotWithShape="1">
-          <a:blip r:embed="rId3"/>
-          <a:srcRect l="-43" t="32602" b="16859"/>
-          <a:stretch/>
-        </p:blipFill>
-        <p:spPr>
-          <a:xfrm>
-            <a:off x="171112" y="131567"/>
-            <a:ext cx="7163823" cy="2035683"/>
-          </a:xfrm>
-          <a:prstGeom prst="rect">
-            <a:avLst/>
-          </a:prstGeom>
-          <a:effectLst>
-            <a:outerShdw blurRad="50800" dist="38100" dir="2700000" algn="tl" rotWithShape="0">
-              <a:prstClr val="black">
-                <a:alpha val="40000"/>
-              </a:prstClr>
-            </a:outerShdw>
-          </a:effectLst>
-        </p:spPr>
-      </p:pic>
-      <p:sp>
-        <p:nvSpPr>
-          <p:cNvPr id="5" name="Прямоугольник 4"/>
-          <p:cNvSpPr/>
-          <p:nvPr/>
-        </p:nvSpPr>
-        <p:spPr>
-          <a:xfrm>
-            <a:off x="171112" y="4262815"/>
-            <a:ext cx="3778250" cy="369332"/>
-          </a:xfrm>
-          <a:prstGeom prst="rect">
-            <a:avLst/>
-          </a:prstGeom>
-        </p:spPr>
-        <p:txBody>
-          <a:bodyPr>
-            <a:spAutoFit/>
-          </a:bodyPr>
-          <a:lstStyle/>
-          <a:p>
-            <a:r>
-              <a:rPr lang="en-US" b="1" dirty="0">
-                <a:solidFill>
-                  <a:schemeClr val="tx1">
-                    <a:lumMod val="50000"/>
-                    <a:lumOff val="50000"/>
-                  </a:schemeClr>
-                </a:solidFill>
-                <a:latin typeface="Open Sans"/>
-              </a:rPr>
-              <a:t>Badges for best members</a:t>
-            </a:r>
-            <a:endParaRPr lang="en-US" b="1" i="0" dirty="0">
-              <a:solidFill>
-                <a:schemeClr val="tx1">
-                  <a:lumMod val="50000"/>
-                  <a:lumOff val="50000"/>
-                </a:schemeClr>
-              </a:solidFill>
-              <a:effectLst/>
-              <a:latin typeface="Open Sans"/>
-            </a:endParaRPr>
-          </a:p>
-        </p:txBody>
-      </p:sp>
-      <p:sp>
-        <p:nvSpPr>
-          <p:cNvPr id="7" name="Прямоугольник 6"/>
-          <p:cNvSpPr/>
-          <p:nvPr/>
-        </p:nvSpPr>
-        <p:spPr>
-          <a:xfrm>
-            <a:off x="167149" y="2271614"/>
-            <a:ext cx="6650706" cy="369332"/>
-          </a:xfrm>
-          <a:prstGeom prst="rect">
-            <a:avLst/>
-          </a:prstGeom>
-        </p:spPr>
-        <p:txBody>
-          <a:bodyPr wrap="square">
-            <a:spAutoFit/>
-          </a:bodyPr>
-          <a:lstStyle/>
-          <a:p>
-            <a:r>
-              <a:rPr lang="en-US" b="1" dirty="0">
-                <a:solidFill>
-                  <a:schemeClr val="tx1">
-                    <a:lumMod val="50000"/>
-                    <a:lumOff val="50000"/>
-                  </a:schemeClr>
-                </a:solidFill>
-                <a:latin typeface="Open Sans"/>
-              </a:rPr>
-              <a:t>Easy to share any content, pictures, videos</a:t>
-            </a:r>
-            <a:endParaRPr lang="en-US" b="1" i="0" dirty="0">
-              <a:solidFill>
-                <a:schemeClr val="tx1">
-                  <a:lumMod val="50000"/>
-                  <a:lumOff val="50000"/>
-                </a:schemeClr>
-              </a:solidFill>
-              <a:effectLst/>
-              <a:latin typeface="Open Sans"/>
-            </a:endParaRPr>
-          </a:p>
-        </p:txBody>
-      </p:sp>
-      <p:pic>
-        <p:nvPicPr>
-          <p:cNvPr id="1028" name="Picture 4" descr="Картинки по запросу discourse invite user"/>
+          <p:cNvPr id="1034" name="Picture 10" descr="https://www.rosim.ru/attach/25/57609.JPG"/>
           <p:cNvPicPr>
             <a:picLocks noChangeAspect="1" noChangeArrowheads="1"/>
           </p:cNvPicPr>
           <p:nvPr/>
         </p:nvPicPr>
-        <p:blipFill rotWithShape="1">
-          <a:blip r:embed="rId4">
+        <p:blipFill>
+          <a:blip r:embed="rId5">
             <a:extLst>
               <a:ext uri="{28A0092B-C50C-407E-A947-70E740481C1C}">
                 <a14:useLocalDpi xmlns:a14="http://schemas.microsoft.com/office/drawing/2010/main" val="0"/>
               </a:ext>
             </a:extLst>
           </a:blip>
-          <a:srcRect l="1464" t="4107" r="1235" b="3720"/>
-          <a:stretch/>
+          <a:srcRect/>
+          <a:stretch>
+            <a:fillRect/>
+          </a:stretch>
         </p:blipFill>
         <p:spPr bwMode="auto">
           <a:xfrm>
-            <a:off x="3826778" y="3006337"/>
-            <a:ext cx="3435032" cy="1182055"/>
+            <a:off x="251734" y="2419724"/>
+            <a:ext cx="3366395" cy="2242861"/>
           </a:xfrm>
           <a:prstGeom prst="rect">
             <a:avLst/>
           </a:prstGeom>
-          <a:effectLst>
-            <a:outerShdw blurRad="50800" dist="38100" dir="2700000" algn="tl" rotWithShape="0">
-              <a:prstClr val="black">
-                <a:alpha val="40000"/>
-              </a:prstClr>
-            </a:outerShdw>
-          </a:effectLst>
+          <a:noFill/>
           <a:extLst>
             <a:ext uri="{909E8E84-426E-40DD-AFC4-6F175D3DCCD1}">
               <a14:hiddenFill xmlns:a14="http://schemas.microsoft.com/office/drawing/2010/main">
@@ -3196,52 +3142,6 @@
           </a:extLst>
         </p:spPr>
       </p:pic>
-      <p:sp>
-        <p:nvSpPr>
-          <p:cNvPr id="10" name="Прямоугольник 9"/>
-          <p:cNvSpPr/>
-          <p:nvPr/>
-        </p:nvSpPr>
-        <p:spPr>
-          <a:xfrm>
-            <a:off x="3826778" y="4262815"/>
-            <a:ext cx="3778250" cy="369332"/>
-          </a:xfrm>
-          <a:prstGeom prst="rect">
-            <a:avLst/>
-          </a:prstGeom>
-        </p:spPr>
-        <p:txBody>
-          <a:bodyPr>
-            <a:spAutoFit/>
-          </a:bodyPr>
-          <a:lstStyle/>
-          <a:p>
-            <a:r>
-              <a:rPr lang="en-US" b="1" dirty="0">
-                <a:solidFill>
-                  <a:schemeClr val="tx1">
-                    <a:lumMod val="50000"/>
-                    <a:lumOff val="50000"/>
-                  </a:schemeClr>
-                </a:solidFill>
-                <a:latin typeface="Open Sans"/>
-              </a:rPr>
-              <a:t>Invite new members</a:t>
-            </a:r>
-            <a:endParaRPr lang="en-US" b="1" i="0" dirty="0">
-              <a:solidFill>
-                <a:schemeClr val="tx1">
-                  <a:lumMod val="50000"/>
-                  <a:lumOff val="50000"/>
-                </a:schemeClr>
-              </a:solidFill>
-              <a:effectLst/>
-              <a:latin typeface="Open Sans"/>
-            </a:endParaRPr>
-          </a:p>
-        </p:txBody>
-      </p:sp>
     </p:spTree>
     <p:extLst>
       <p:ext uri="{BB962C8B-B14F-4D97-AF65-F5344CB8AC3E}">
@@ -3600,7 +3500,7 @@
       </p:grpSpPr>
       <p:pic>
         <p:nvPicPr>
-          <p:cNvPr id="2050" name="Picture 2" descr="Editable Hydra"/>
+          <p:cNvPr id="2" name="Picture 2" descr="https://www.rosim.ru/attach/25/64500.jpg"/>
           <p:cNvPicPr>
             <a:picLocks noChangeAspect="1" noChangeArrowheads="1"/>
           </p:cNvPicPr>
@@ -3621,8 +3521,8 @@
         </p:blipFill>
         <p:spPr bwMode="auto">
           <a:xfrm>
-            <a:off x="531256" y="475976"/>
-            <a:ext cx="6353175" cy="3819525"/>
+            <a:off x="4933813" y="2269409"/>
+            <a:ext cx="2558889" cy="2402157"/>
           </a:xfrm>
           <a:prstGeom prst="rect">
             <a:avLst/>
@@ -3641,50 +3541,29 @@
       </p:pic>
       <p:pic>
         <p:nvPicPr>
-          <p:cNvPr id="4" name="Рисунок 3"/>
-          <p:cNvPicPr>
-            <a:picLocks noChangeAspect="1"/>
-          </p:cNvPicPr>
-          <p:nvPr/>
-        </p:nvPicPr>
-        <p:blipFill rotWithShape="1">
-          <a:blip r:embed="rId3"/>
-          <a:srcRect r="7141"/>
-          <a:stretch/>
-        </p:blipFill>
-        <p:spPr>
-          <a:xfrm>
-            <a:off x="1289369" y="660561"/>
-            <a:ext cx="4854873" cy="3036510"/>
-          </a:xfrm>
-          <a:prstGeom prst="rect">
-            <a:avLst/>
-          </a:prstGeom>
-        </p:spPr>
-      </p:pic>
-      <p:pic>
-        <p:nvPicPr>
-          <p:cNvPr id="6" name="Picture 2" descr="Editable Hydra"/>
+          <p:cNvPr id="2054" name="Picture 6" descr="http://www.rosim.ru/Attachment.aspx?id=64497"/>
           <p:cNvPicPr>
             <a:picLocks noChangeAspect="1" noChangeArrowheads="1"/>
           </p:cNvPicPr>
           <p:nvPr/>
         </p:nvPicPr>
-        <p:blipFill rotWithShape="1">
-          <a:blip r:embed="rId2">
+        <p:blipFill>
+          <a:blip r:embed="rId3">
             <a:extLst>
               <a:ext uri="{28A0092B-C50C-407E-A947-70E740481C1C}">
                 <a14:useLocalDpi xmlns:a14="http://schemas.microsoft.com/office/drawing/2010/main" val="0"/>
               </a:ext>
             </a:extLst>
           </a:blip>
-          <a:srcRect t="34130" r="75616"/>
-          <a:stretch/>
+          <a:srcRect/>
+          <a:stretch>
+            <a:fillRect/>
+          </a:stretch>
         </p:blipFill>
         <p:spPr bwMode="auto">
           <a:xfrm>
-            <a:off x="531256" y="1779588"/>
-            <a:ext cx="1549168" cy="2515913"/>
+            <a:off x="96370" y="2351131"/>
+            <a:ext cx="3883572" cy="2320435"/>
           </a:xfrm>
           <a:prstGeom prst="rect">
             <a:avLst/>
@@ -3699,97 +3578,6 @@
               </a14:hiddenFill>
             </a:ext>
           </a:extLst>
-        </p:spPr>
-      </p:pic>
-      <p:sp>
-        <p:nvSpPr>
-          <p:cNvPr id="5" name="Месяц 4"/>
-          <p:cNvSpPr/>
-          <p:nvPr/>
-        </p:nvSpPr>
-        <p:spPr>
-          <a:xfrm rot="7959407">
-            <a:off x="2017562" y="1714737"/>
-            <a:ext cx="88692" cy="167077"/>
-          </a:xfrm>
-          <a:prstGeom prst="moon">
-            <a:avLst>
-              <a:gd name="adj" fmla="val 65460"/>
-            </a:avLst>
-          </a:prstGeom>
-          <a:ln>
-            <a:solidFill>
-              <a:schemeClr val="bg1"/>
-            </a:solidFill>
-          </a:ln>
-        </p:spPr>
-        <p:style>
-          <a:lnRef idx="2">
-            <a:schemeClr val="accent6"/>
-          </a:lnRef>
-          <a:fillRef idx="1">
-            <a:schemeClr val="lt1"/>
-          </a:fillRef>
-          <a:effectRef idx="0">
-            <a:schemeClr val="accent6"/>
-          </a:effectRef>
-          <a:fontRef idx="minor">
-            <a:schemeClr val="dk1"/>
-          </a:fontRef>
-        </p:style>
-        <p:txBody>
-          <a:bodyPr rtlCol="0" anchor="ctr"/>
-          <a:lstStyle/>
-          <a:p>
-            <a:pPr algn="ctr"/>
-            <a:endParaRPr lang="ru-RU" dirty="0"/>
-          </a:p>
-        </p:txBody>
-      </p:sp>
-      <p:pic>
-        <p:nvPicPr>
-          <p:cNvPr id="7" name="Рисунок 6"/>
-          <p:cNvPicPr>
-            <a:picLocks noChangeAspect="1"/>
-          </p:cNvPicPr>
-          <p:nvPr/>
-        </p:nvPicPr>
-        <p:blipFill rotWithShape="1">
-          <a:blip r:embed="rId4"/>
-          <a:srcRect l="9133" t="9328" r="56979"/>
-          <a:stretch/>
-        </p:blipFill>
-        <p:spPr>
-          <a:xfrm>
-            <a:off x="950051" y="2072125"/>
-            <a:ext cx="1079674" cy="1624946"/>
-          </a:xfrm>
-          <a:prstGeom prst="rect">
-            <a:avLst/>
-          </a:prstGeom>
-        </p:spPr>
-      </p:pic>
-      <p:pic>
-        <p:nvPicPr>
-          <p:cNvPr id="9" name="Рисунок 8"/>
-          <p:cNvPicPr>
-            <a:picLocks noChangeAspect="1"/>
-          </p:cNvPicPr>
-          <p:nvPr/>
-        </p:nvPicPr>
-        <p:blipFill rotWithShape="1">
-          <a:blip r:embed="rId4"/>
-          <a:srcRect l="9133" t="53448" r="56979" b="27282"/>
-          <a:stretch/>
-        </p:blipFill>
-        <p:spPr>
-          <a:xfrm>
-            <a:off x="950051" y="3644268"/>
-            <a:ext cx="1079674" cy="345340"/>
-          </a:xfrm>
-          <a:prstGeom prst="rect">
-            <a:avLst/>
-          </a:prstGeom>
         </p:spPr>
       </p:pic>
     </p:spTree>

--- a/assets/mainscreen.pptx
+++ b/assets/mainscreen.pptx
@@ -252,7 +252,7 @@
           <a:p>
             <a:fld id="{4F08E496-6DF6-463D-8B4A-159ADA022EF7}" type="datetimeFigureOut">
               <a:rPr lang="ru-RU" smtClean="0"/>
-              <a:t>21.10.2016</a:t>
+              <a:t>22.10.2016</a:t>
             </a:fld>
             <a:endParaRPr lang="ru-RU" dirty="0"/>
           </a:p>
@@ -422,7 +422,7 @@
           <a:p>
             <a:fld id="{4F08E496-6DF6-463D-8B4A-159ADA022EF7}" type="datetimeFigureOut">
               <a:rPr lang="ru-RU" smtClean="0"/>
-              <a:t>21.10.2016</a:t>
+              <a:t>22.10.2016</a:t>
             </a:fld>
             <a:endParaRPr lang="ru-RU" dirty="0"/>
           </a:p>
@@ -602,7 +602,7 @@
           <a:p>
             <a:fld id="{4F08E496-6DF6-463D-8B4A-159ADA022EF7}" type="datetimeFigureOut">
               <a:rPr lang="ru-RU" smtClean="0"/>
-              <a:t>21.10.2016</a:t>
+              <a:t>22.10.2016</a:t>
             </a:fld>
             <a:endParaRPr lang="ru-RU" dirty="0"/>
           </a:p>
@@ -772,7 +772,7 @@
           <a:p>
             <a:fld id="{4F08E496-6DF6-463D-8B4A-159ADA022EF7}" type="datetimeFigureOut">
               <a:rPr lang="ru-RU" smtClean="0"/>
-              <a:t>21.10.2016</a:t>
+              <a:t>22.10.2016</a:t>
             </a:fld>
             <a:endParaRPr lang="ru-RU" dirty="0"/>
           </a:p>
@@ -1018,7 +1018,7 @@
           <a:p>
             <a:fld id="{4F08E496-6DF6-463D-8B4A-159ADA022EF7}" type="datetimeFigureOut">
               <a:rPr lang="ru-RU" smtClean="0"/>
-              <a:t>21.10.2016</a:t>
+              <a:t>22.10.2016</a:t>
             </a:fld>
             <a:endParaRPr lang="ru-RU" dirty="0"/>
           </a:p>
@@ -1250,7 +1250,7 @@
           <a:p>
             <a:fld id="{4F08E496-6DF6-463D-8B4A-159ADA022EF7}" type="datetimeFigureOut">
               <a:rPr lang="ru-RU" smtClean="0"/>
-              <a:t>21.10.2016</a:t>
+              <a:t>22.10.2016</a:t>
             </a:fld>
             <a:endParaRPr lang="ru-RU" dirty="0"/>
           </a:p>
@@ -1617,7 +1617,7 @@
           <a:p>
             <a:fld id="{4F08E496-6DF6-463D-8B4A-159ADA022EF7}" type="datetimeFigureOut">
               <a:rPr lang="ru-RU" smtClean="0"/>
-              <a:t>21.10.2016</a:t>
+              <a:t>22.10.2016</a:t>
             </a:fld>
             <a:endParaRPr lang="ru-RU" dirty="0"/>
           </a:p>
@@ -1735,7 +1735,7 @@
           <a:p>
             <a:fld id="{4F08E496-6DF6-463D-8B4A-159ADA022EF7}" type="datetimeFigureOut">
               <a:rPr lang="ru-RU" smtClean="0"/>
-              <a:t>21.10.2016</a:t>
+              <a:t>22.10.2016</a:t>
             </a:fld>
             <a:endParaRPr lang="ru-RU" dirty="0"/>
           </a:p>
@@ -1830,7 +1830,7 @@
           <a:p>
             <a:fld id="{4F08E496-6DF6-463D-8B4A-159ADA022EF7}" type="datetimeFigureOut">
               <a:rPr lang="ru-RU" smtClean="0"/>
-              <a:t>21.10.2016</a:t>
+              <a:t>22.10.2016</a:t>
             </a:fld>
             <a:endParaRPr lang="ru-RU" dirty="0"/>
           </a:p>
@@ -2107,7 +2107,7 @@
           <a:p>
             <a:fld id="{4F08E496-6DF6-463D-8B4A-159ADA022EF7}" type="datetimeFigureOut">
               <a:rPr lang="ru-RU" smtClean="0"/>
-              <a:t>21.10.2016</a:t>
+              <a:t>22.10.2016</a:t>
             </a:fld>
             <a:endParaRPr lang="ru-RU" dirty="0"/>
           </a:p>
@@ -2364,7 +2364,7 @@
           <a:p>
             <a:fld id="{4F08E496-6DF6-463D-8B4A-159ADA022EF7}" type="datetimeFigureOut">
               <a:rPr lang="ru-RU" smtClean="0"/>
-              <a:t>21.10.2016</a:t>
+              <a:t>22.10.2016</a:t>
             </a:fld>
             <a:endParaRPr lang="ru-RU" dirty="0"/>
           </a:p>
@@ -2577,7 +2577,7 @@
           <a:p>
             <a:fld id="{4F08E496-6DF6-463D-8B4A-159ADA022EF7}" type="datetimeFigureOut">
               <a:rPr lang="ru-RU" smtClean="0"/>
-              <a:t>21.10.2016</a:t>
+              <a:t>22.10.2016</a:t>
             </a:fld>
             <a:endParaRPr lang="ru-RU" dirty="0"/>
           </a:p>
@@ -3772,48 +3772,29 @@
           <a:chExt cx="0" cy="0"/>
         </a:xfrm>
       </p:grpSpPr>
-      <p:sp>
-        <p:nvSpPr>
-          <p:cNvPr id="2" name="Заголовок 1"/>
-          <p:cNvSpPr>
-            <a:spLocks noGrp="1"/>
-          </p:cNvSpPr>
-          <p:nvPr>
-            <p:ph type="title"/>
-          </p:nvPr>
-        </p:nvSpPr>
-        <p:spPr/>
-        <p:txBody>
-          <a:bodyPr/>
-          <a:lstStyle/>
-          <a:p>
-            <a:r>
-              <a:rPr lang="en-US" dirty="0"/>
-              <a:t>TV Section</a:t>
-            </a:r>
-            <a:endParaRPr lang="ru-RU" dirty="0"/>
-          </a:p>
-        </p:txBody>
-      </p:sp>
-      <p:sp>
-        <p:nvSpPr>
-          <p:cNvPr id="3" name="Объект 2"/>
-          <p:cNvSpPr>
-            <a:spLocks noGrp="1"/>
-          </p:cNvSpPr>
-          <p:nvPr>
-            <p:ph idx="1"/>
-          </p:nvPr>
-        </p:nvSpPr>
-        <p:spPr/>
-        <p:txBody>
-          <a:bodyPr/>
-          <a:lstStyle/>
-          <a:p>
-            <a:endParaRPr lang="ru-RU" dirty="0"/>
-          </a:p>
-        </p:txBody>
-      </p:sp>
+      <p:pic>
+        <p:nvPicPr>
+          <p:cNvPr id="5" name="Рисунок 4"/>
+          <p:cNvPicPr>
+            <a:picLocks noChangeAspect="1"/>
+          </p:cNvPicPr>
+          <p:nvPr/>
+        </p:nvPicPr>
+        <p:blipFill rotWithShape="1">
+          <a:blip r:embed="rId2"/>
+          <a:srcRect l="7399" t="554" r="3601"/>
+          <a:stretch/>
+        </p:blipFill>
+        <p:spPr>
+          <a:xfrm>
+            <a:off x="780809" y="0"/>
+            <a:ext cx="6732817" cy="4231693"/>
+          </a:xfrm>
+          <a:prstGeom prst="rect">
+            <a:avLst/>
+          </a:prstGeom>
+        </p:spPr>
+      </p:pic>
     </p:spTree>
     <p:extLst>
       <p:ext uri="{BB962C8B-B14F-4D97-AF65-F5344CB8AC3E}">
